--- a/Методы анализа влияния входных признаков при разработке моделей.pptx
+++ b/Методы анализа влияния входных признаков при разработке моделей.pptx
@@ -6,15 +6,17 @@
   </p:sldMasterIdLst>
   <p:sldIdLst>
     <p:sldId id="256" r:id="rId2"/>
-    <p:sldId id="257" r:id="rId3"/>
-    <p:sldId id="258" r:id="rId4"/>
-    <p:sldId id="259" r:id="rId5"/>
-    <p:sldId id="260" r:id="rId6"/>
-    <p:sldId id="261" r:id="rId7"/>
-    <p:sldId id="262" r:id="rId8"/>
-    <p:sldId id="263" r:id="rId9"/>
-    <p:sldId id="264" r:id="rId10"/>
-    <p:sldId id="265" r:id="rId11"/>
+    <p:sldId id="266" r:id="rId3"/>
+    <p:sldId id="257" r:id="rId4"/>
+    <p:sldId id="258" r:id="rId5"/>
+    <p:sldId id="259" r:id="rId6"/>
+    <p:sldId id="260" r:id="rId7"/>
+    <p:sldId id="261" r:id="rId8"/>
+    <p:sldId id="262" r:id="rId9"/>
+    <p:sldId id="263" r:id="rId10"/>
+    <p:sldId id="264" r:id="rId11"/>
+    <p:sldId id="265" r:id="rId12"/>
+    <p:sldId id="267" r:id="rId13"/>
   </p:sldIdLst>
   <p:sldSz cx="12192000" cy="6858000"/>
   <p:notesSz cx="6858000" cy="9144000"/>
@@ -113,6 +115,11 @@
       </a:defRPr>
     </a:lvl9pPr>
   </p:defaultTextStyle>
+  <p:extLst>
+    <p:ext uri="{EFAFB233-063F-42B5-8137-9DF3F51BA10A}">
+      <p15:sldGuideLst xmlns:p15="http://schemas.microsoft.com/office/powerpoint/2012/main"/>
+    </p:ext>
+  </p:extLst>
 </p:presentation>
 </file>
 
@@ -263,7 +270,7 @@
           <a:p>
             <a:fld id="{171A03AB-320B-429B-8B9C-6326C1ABBEAE}" type="datetimeFigureOut">
               <a:rPr lang="ru-RU" smtClean="0"/>
-              <a:t>24.05.2021</a:t>
+              <a:t>25.05.2021</a:t>
             </a:fld>
             <a:endParaRPr lang="ru-RU"/>
           </a:p>
@@ -461,7 +468,7 @@
           <a:p>
             <a:fld id="{171A03AB-320B-429B-8B9C-6326C1ABBEAE}" type="datetimeFigureOut">
               <a:rPr lang="ru-RU" smtClean="0"/>
-              <a:t>24.05.2021</a:t>
+              <a:t>25.05.2021</a:t>
             </a:fld>
             <a:endParaRPr lang="ru-RU"/>
           </a:p>
@@ -669,7 +676,7 @@
           <a:p>
             <a:fld id="{171A03AB-320B-429B-8B9C-6326C1ABBEAE}" type="datetimeFigureOut">
               <a:rPr lang="ru-RU" smtClean="0"/>
-              <a:t>24.05.2021</a:t>
+              <a:t>25.05.2021</a:t>
             </a:fld>
             <a:endParaRPr lang="ru-RU"/>
           </a:p>
@@ -867,7 +874,7 @@
           <a:p>
             <a:fld id="{171A03AB-320B-429B-8B9C-6326C1ABBEAE}" type="datetimeFigureOut">
               <a:rPr lang="ru-RU" smtClean="0"/>
-              <a:t>24.05.2021</a:t>
+              <a:t>25.05.2021</a:t>
             </a:fld>
             <a:endParaRPr lang="ru-RU"/>
           </a:p>
@@ -1142,7 +1149,7 @@
           <a:p>
             <a:fld id="{171A03AB-320B-429B-8B9C-6326C1ABBEAE}" type="datetimeFigureOut">
               <a:rPr lang="ru-RU" smtClean="0"/>
-              <a:t>24.05.2021</a:t>
+              <a:t>25.05.2021</a:t>
             </a:fld>
             <a:endParaRPr lang="ru-RU"/>
           </a:p>
@@ -1407,7 +1414,7 @@
           <a:p>
             <a:fld id="{171A03AB-320B-429B-8B9C-6326C1ABBEAE}" type="datetimeFigureOut">
               <a:rPr lang="ru-RU" smtClean="0"/>
-              <a:t>24.05.2021</a:t>
+              <a:t>25.05.2021</a:t>
             </a:fld>
             <a:endParaRPr lang="ru-RU"/>
           </a:p>
@@ -1819,7 +1826,7 @@
           <a:p>
             <a:fld id="{171A03AB-320B-429B-8B9C-6326C1ABBEAE}" type="datetimeFigureOut">
               <a:rPr lang="ru-RU" smtClean="0"/>
-              <a:t>24.05.2021</a:t>
+              <a:t>25.05.2021</a:t>
             </a:fld>
             <a:endParaRPr lang="ru-RU"/>
           </a:p>
@@ -1960,7 +1967,7 @@
           <a:p>
             <a:fld id="{171A03AB-320B-429B-8B9C-6326C1ABBEAE}" type="datetimeFigureOut">
               <a:rPr lang="ru-RU" smtClean="0"/>
-              <a:t>24.05.2021</a:t>
+              <a:t>25.05.2021</a:t>
             </a:fld>
             <a:endParaRPr lang="ru-RU"/>
           </a:p>
@@ -2073,7 +2080,7 @@
           <a:p>
             <a:fld id="{171A03AB-320B-429B-8B9C-6326C1ABBEAE}" type="datetimeFigureOut">
               <a:rPr lang="ru-RU" smtClean="0"/>
-              <a:t>24.05.2021</a:t>
+              <a:t>25.05.2021</a:t>
             </a:fld>
             <a:endParaRPr lang="ru-RU"/>
           </a:p>
@@ -2384,7 +2391,7 @@
           <a:p>
             <a:fld id="{171A03AB-320B-429B-8B9C-6326C1ABBEAE}" type="datetimeFigureOut">
               <a:rPr lang="ru-RU" smtClean="0"/>
-              <a:t>24.05.2021</a:t>
+              <a:t>25.05.2021</a:t>
             </a:fld>
             <a:endParaRPr lang="ru-RU"/>
           </a:p>
@@ -2672,7 +2679,7 @@
           <a:p>
             <a:fld id="{171A03AB-320B-429B-8B9C-6326C1ABBEAE}" type="datetimeFigureOut">
               <a:rPr lang="ru-RU" smtClean="0"/>
-              <a:t>24.05.2021</a:t>
+              <a:t>25.05.2021</a:t>
             </a:fld>
             <a:endParaRPr lang="ru-RU"/>
           </a:p>
@@ -2913,7 +2920,7 @@
           <a:p>
             <a:fld id="{171A03AB-320B-429B-8B9C-6326C1ABBEAE}" type="datetimeFigureOut">
               <a:rPr lang="ru-RU" smtClean="0"/>
-              <a:t>24.05.2021</a:t>
+              <a:t>25.05.2021</a:t>
             </a:fld>
             <a:endParaRPr lang="ru-RU"/>
           </a:p>
@@ -3332,45 +3339,235 @@
       </p:grpSpPr>
       <p:sp>
         <p:nvSpPr>
-          <p:cNvPr id="2" name="Заголовок 1">
-            <a:extLst>
-              <a:ext uri="{FF2B5EF4-FFF2-40B4-BE49-F238E27FC236}">
-                <a16:creationId xmlns:a16="http://schemas.microsoft.com/office/drawing/2014/main" id="{2B9A39EE-9615-4277-9D31-3F55A53735CE}"/>
-              </a:ext>
-            </a:extLst>
-          </p:cNvPr>
-          <p:cNvSpPr>
-            <a:spLocks noGrp="1"/>
-          </p:cNvSpPr>
-          <p:nvPr>
-            <p:ph type="ctrTitle"/>
-          </p:nvPr>
-        </p:nvSpPr>
-        <p:spPr/>
-        <p:txBody>
-          <a:bodyPr>
-            <a:normAutofit/>
+          <p:cNvPr id="5" name="Прямоугольник 4">
+            <a:extLst>
+              <a:ext uri="{FF2B5EF4-FFF2-40B4-BE49-F238E27FC236}">
+                <a16:creationId xmlns:a16="http://schemas.microsoft.com/office/drawing/2014/main" id="{0C4DD880-6A04-4D89-A5D3-D695FCD5FF05}"/>
+              </a:ext>
+            </a:extLst>
+          </p:cNvPr>
+          <p:cNvSpPr/>
+          <p:nvPr/>
+        </p:nvSpPr>
+        <p:spPr>
+          <a:xfrm>
+            <a:off x="849855" y="820594"/>
+            <a:ext cx="10703858" cy="4939814"/>
+          </a:xfrm>
+          <a:prstGeom prst="rect">
+            <a:avLst/>
+          </a:prstGeom>
+        </p:spPr>
+        <p:txBody>
+          <a:bodyPr wrap="square">
+            <a:spAutoFit/>
           </a:bodyPr>
           <a:lstStyle/>
           <a:p>
-            <a:pPr>
+            <a:pPr algn="ctr">
               <a:spcAft>
                 <a:spcPts val="1800"/>
               </a:spcAft>
             </a:pPr>
             <a:r>
-              <a:rPr lang="ru-RU" sz="1600" dirty="0">
+              <a:rPr lang="ru-RU" dirty="0">
                 <a:latin typeface="Times New Roman" panose="02020603050405020304" pitchFamily="18" charset="0"/>
                 <a:ea typeface="Times New Roman" panose="02020603050405020304" pitchFamily="18" charset="0"/>
               </a:rPr>
               <a:t>Методы анализа влияния входных признаков при разработке моделей машинного обучения с учителем</a:t>
             </a:r>
-            <a:br>
-              <a:rPr lang="ru-RU" sz="5400" dirty="0">
+            <a:endParaRPr lang="ru-RU" sz="1600" dirty="0">
+              <a:latin typeface="Times New Roman" panose="02020603050405020304" pitchFamily="18" charset="0"/>
+              <a:ea typeface="Times New Roman" panose="02020603050405020304" pitchFamily="18" charset="0"/>
+            </a:endParaRPr>
+          </a:p>
+          <a:p>
+            <a:pPr algn="ctr">
+              <a:spcAft>
+                <a:spcPts val="1800"/>
+              </a:spcAft>
+            </a:pPr>
+            <a:r>
+              <a:rPr lang="ru-RU" dirty="0">
+                <a:solidFill>
+                  <a:srgbClr val="000000"/>
+                </a:solidFill>
                 <a:latin typeface="Times New Roman" panose="02020603050405020304" pitchFamily="18" charset="0"/>
                 <a:ea typeface="Times New Roman" panose="02020603050405020304" pitchFamily="18" charset="0"/>
               </a:rPr>
-            </a:br>
+              <a:t>Курсовая работа</a:t>
+            </a:r>
+            <a:endParaRPr lang="ru-RU" sz="1600" dirty="0">
+              <a:latin typeface="Times New Roman" panose="02020603050405020304" pitchFamily="18" charset="0"/>
+              <a:ea typeface="Times New Roman" panose="02020603050405020304" pitchFamily="18" charset="0"/>
+            </a:endParaRPr>
+          </a:p>
+          <a:p>
+            <a:pPr algn="just">
+              <a:spcAft>
+                <a:spcPts val="1800"/>
+              </a:spcAft>
+            </a:pPr>
+            <a:r>
+              <a:rPr lang="ru-RU" dirty="0">
+                <a:solidFill>
+                  <a:srgbClr val="000000"/>
+                </a:solidFill>
+                <a:latin typeface="Times New Roman" panose="02020603050405020304" pitchFamily="18" charset="0"/>
+                <a:ea typeface="Times New Roman" panose="02020603050405020304" pitchFamily="18" charset="0"/>
+              </a:rPr>
+              <a:t> </a:t>
+            </a:r>
+            <a:endParaRPr lang="ru-RU" sz="1600" dirty="0">
+              <a:latin typeface="Times New Roman" panose="02020603050405020304" pitchFamily="18" charset="0"/>
+              <a:ea typeface="Times New Roman" panose="02020603050405020304" pitchFamily="18" charset="0"/>
+            </a:endParaRPr>
+          </a:p>
+          <a:p>
+            <a:pPr algn="just">
+              <a:spcAft>
+                <a:spcPts val="1800"/>
+              </a:spcAft>
+            </a:pPr>
+            <a:r>
+              <a:rPr lang="ru-RU" dirty="0">
+                <a:solidFill>
+                  <a:srgbClr val="000000"/>
+                </a:solidFill>
+                <a:latin typeface="Times New Roman" panose="02020603050405020304" pitchFamily="18" charset="0"/>
+                <a:ea typeface="Times New Roman" panose="02020603050405020304" pitchFamily="18" charset="0"/>
+              </a:rPr>
+              <a:t> </a:t>
+            </a:r>
+            <a:endParaRPr lang="ru-RU" sz="1600" dirty="0">
+              <a:latin typeface="Times New Roman" panose="02020603050405020304" pitchFamily="18" charset="0"/>
+              <a:ea typeface="Times New Roman" panose="02020603050405020304" pitchFamily="18" charset="0"/>
+            </a:endParaRPr>
+          </a:p>
+          <a:p>
+            <a:pPr algn="r">
+              <a:spcAft>
+                <a:spcPts val="1800"/>
+              </a:spcAft>
+            </a:pPr>
+            <a:r>
+              <a:rPr lang="ru-RU" dirty="0" err="1">
+                <a:solidFill>
+                  <a:srgbClr val="000000"/>
+                </a:solidFill>
+                <a:latin typeface="Times New Roman" panose="02020603050405020304" pitchFamily="18" charset="0"/>
+                <a:ea typeface="Times New Roman" panose="02020603050405020304" pitchFamily="18" charset="0"/>
+              </a:rPr>
+              <a:t>Раковца</a:t>
+            </a:r>
+            <a:r>
+              <a:rPr lang="ru-RU" dirty="0">
+                <a:solidFill>
+                  <a:srgbClr val="000000"/>
+                </a:solidFill>
+                <a:latin typeface="Times New Roman" panose="02020603050405020304" pitchFamily="18" charset="0"/>
+                <a:ea typeface="Times New Roman" panose="02020603050405020304" pitchFamily="18" charset="0"/>
+              </a:rPr>
+              <a:t> Андрея Владимировича</a:t>
+            </a:r>
+            <a:endParaRPr lang="ru-RU" sz="1600" dirty="0">
+              <a:latin typeface="Times New Roman" panose="02020603050405020304" pitchFamily="18" charset="0"/>
+              <a:ea typeface="Times New Roman" panose="02020603050405020304" pitchFamily="18" charset="0"/>
+            </a:endParaRPr>
+          </a:p>
+          <a:p>
+            <a:pPr algn="r">
+              <a:spcAft>
+                <a:spcPts val="1800"/>
+              </a:spcAft>
+            </a:pPr>
+            <a:r>
+              <a:rPr lang="ru-RU" dirty="0">
+                <a:solidFill>
+                  <a:srgbClr val="000000"/>
+                </a:solidFill>
+                <a:latin typeface="Times New Roman" panose="02020603050405020304" pitchFamily="18" charset="0"/>
+                <a:ea typeface="Times New Roman" panose="02020603050405020304" pitchFamily="18" charset="0"/>
+              </a:rPr>
+              <a:t>студента 3 курса, специальность</a:t>
+            </a:r>
+            <a:endParaRPr lang="ru-RU" sz="1600" dirty="0">
+              <a:latin typeface="Times New Roman" panose="02020603050405020304" pitchFamily="18" charset="0"/>
+              <a:ea typeface="Times New Roman" panose="02020603050405020304" pitchFamily="18" charset="0"/>
+            </a:endParaRPr>
+          </a:p>
+          <a:p>
+            <a:pPr algn="r">
+              <a:spcAft>
+                <a:spcPts val="1800"/>
+              </a:spcAft>
+            </a:pPr>
+            <a:r>
+              <a:rPr lang="ru-RU" dirty="0">
+                <a:solidFill>
+                  <a:srgbClr val="000000"/>
+                </a:solidFill>
+                <a:latin typeface="Times New Roman" panose="02020603050405020304" pitchFamily="18" charset="0"/>
+                <a:ea typeface="Times New Roman" panose="02020603050405020304" pitchFamily="18" charset="0"/>
+              </a:rPr>
+              <a:t>«прикладная информатика»</a:t>
+            </a:r>
+            <a:endParaRPr lang="ru-RU" sz="1600" dirty="0">
+              <a:latin typeface="Times New Roman" panose="02020603050405020304" pitchFamily="18" charset="0"/>
+              <a:ea typeface="Times New Roman" panose="02020603050405020304" pitchFamily="18" charset="0"/>
+            </a:endParaRPr>
+          </a:p>
+          <a:p>
+            <a:pPr algn="r">
+              <a:spcAft>
+                <a:spcPts val="1800"/>
+              </a:spcAft>
+            </a:pPr>
+            <a:r>
+              <a:rPr lang="ru-RU" dirty="0">
+                <a:solidFill>
+                  <a:srgbClr val="000000"/>
+                </a:solidFill>
+                <a:latin typeface="Times New Roman" panose="02020603050405020304" pitchFamily="18" charset="0"/>
+                <a:ea typeface="Times New Roman" panose="02020603050405020304" pitchFamily="18" charset="0"/>
+              </a:rPr>
+              <a:t>Научный руководитель:</a:t>
+            </a:r>
+            <a:endParaRPr lang="ru-RU" sz="1600" dirty="0">
+              <a:latin typeface="Times New Roman" panose="02020603050405020304" pitchFamily="18" charset="0"/>
+              <a:ea typeface="Times New Roman" panose="02020603050405020304" pitchFamily="18" charset="0"/>
+            </a:endParaRPr>
+          </a:p>
+          <a:p>
+            <a:pPr algn="r">
+              <a:spcAft>
+                <a:spcPts val="1800"/>
+              </a:spcAft>
+            </a:pPr>
+            <a:r>
+              <a:rPr lang="ru-RU" dirty="0">
+                <a:solidFill>
+                  <a:srgbClr val="000000"/>
+                </a:solidFill>
+                <a:latin typeface="Times New Roman" panose="02020603050405020304" pitchFamily="18" charset="0"/>
+                <a:ea typeface="Times New Roman" panose="02020603050405020304" pitchFamily="18" charset="0"/>
+              </a:rPr>
+              <a:t>старший преподаватель</a:t>
+            </a:r>
+            <a:endParaRPr lang="ru-RU" sz="1600" dirty="0">
+              <a:latin typeface="Times New Roman" panose="02020603050405020304" pitchFamily="18" charset="0"/>
+              <a:ea typeface="Times New Roman" panose="02020603050405020304" pitchFamily="18" charset="0"/>
+            </a:endParaRPr>
+          </a:p>
+          <a:p>
+            <a:pPr algn="r"/>
+            <a:r>
+              <a:rPr lang="ru-RU" dirty="0">
+                <a:latin typeface="Times New Roman" panose="02020603050405020304" pitchFamily="18" charset="0"/>
+                <a:ea typeface="Calibri" panose="020F0502020204030204" pitchFamily="34" charset="0"/>
+              </a:rPr>
+              <a:t>Курочкин А.В</a:t>
+            </a:r>
             <a:endParaRPr lang="ru-RU" dirty="0"/>
           </a:p>
         </p:txBody>
@@ -3405,6 +3602,149 @@
           <a:chExt cx="0" cy="0"/>
         </a:xfrm>
       </p:grpSpPr>
+      <p:sp>
+        <p:nvSpPr>
+          <p:cNvPr id="2" name="Заголовок 1">
+            <a:extLst>
+              <a:ext uri="{FF2B5EF4-FFF2-40B4-BE49-F238E27FC236}">
+                <a16:creationId xmlns:a16="http://schemas.microsoft.com/office/drawing/2014/main" id="{59D45756-2ADD-4EC9-851F-D49FFB4CD566}"/>
+              </a:ext>
+            </a:extLst>
+          </p:cNvPr>
+          <p:cNvSpPr>
+            <a:spLocks noGrp="1"/>
+          </p:cNvSpPr>
+          <p:nvPr>
+            <p:ph type="title"/>
+          </p:nvPr>
+        </p:nvSpPr>
+        <p:spPr>
+          <a:xfrm>
+            <a:off x="4186069" y="477706"/>
+            <a:ext cx="3819861" cy="1325563"/>
+          </a:xfrm>
+        </p:spPr>
+        <p:txBody>
+          <a:bodyPr>
+            <a:normAutofit/>
+          </a:bodyPr>
+          <a:lstStyle/>
+          <a:p>
+            <a:r>
+              <a:rPr lang="ru-RU" sz="1800" dirty="0"/>
+              <a:t>Обучение с шумовыми признаками:</a:t>
+            </a:r>
+          </a:p>
+        </p:txBody>
+      </p:sp>
+      <p:pic>
+        <p:nvPicPr>
+          <p:cNvPr id="4" name="Рисунок 3">
+            <a:extLst>
+              <a:ext uri="{FF2B5EF4-FFF2-40B4-BE49-F238E27FC236}">
+                <a16:creationId xmlns:a16="http://schemas.microsoft.com/office/drawing/2014/main" id="{FEF60E42-2741-46BE-A9F7-8C0DE8FDFA49}"/>
+              </a:ext>
+            </a:extLst>
+          </p:cNvPr>
+          <p:cNvPicPr/>
+          <p:nvPr/>
+        </p:nvPicPr>
+        <p:blipFill>
+          <a:blip r:embed="rId2">
+            <a:extLst>
+              <a:ext uri="{28A0092B-C50C-407E-A947-70E740481C1C}">
+                <a14:useLocalDpi xmlns:a14="http://schemas.microsoft.com/office/drawing/2010/main" val="0"/>
+              </a:ext>
+            </a:extLst>
+          </a:blip>
+          <a:srcRect/>
+          <a:stretch>
+            <a:fillRect/>
+          </a:stretch>
+        </p:blipFill>
+        <p:spPr bwMode="auto">
+          <a:xfrm>
+            <a:off x="731239" y="1728787"/>
+            <a:ext cx="5131679" cy="4650498"/>
+          </a:xfrm>
+          <a:prstGeom prst="rect">
+            <a:avLst/>
+          </a:prstGeom>
+          <a:noFill/>
+          <a:ln>
+            <a:noFill/>
+          </a:ln>
+        </p:spPr>
+      </p:pic>
+      <p:pic>
+        <p:nvPicPr>
+          <p:cNvPr id="5" name="Рисунок 4">
+            <a:extLst>
+              <a:ext uri="{FF2B5EF4-FFF2-40B4-BE49-F238E27FC236}">
+                <a16:creationId xmlns:a16="http://schemas.microsoft.com/office/drawing/2014/main" id="{518E671E-6D73-4AB6-9936-AF2D13BA63CB}"/>
+              </a:ext>
+            </a:extLst>
+          </p:cNvPr>
+          <p:cNvPicPr/>
+          <p:nvPr/>
+        </p:nvPicPr>
+        <p:blipFill>
+          <a:blip r:embed="rId3">
+            <a:extLst>
+              <a:ext uri="{28A0092B-C50C-407E-A947-70E740481C1C}">
+                <a14:useLocalDpi xmlns:a14="http://schemas.microsoft.com/office/drawing/2010/main" val="0"/>
+              </a:ext>
+            </a:extLst>
+          </a:blip>
+          <a:srcRect/>
+          <a:stretch>
+            <a:fillRect/>
+          </a:stretch>
+        </p:blipFill>
+        <p:spPr bwMode="auto">
+          <a:xfrm>
+            <a:off x="6096000" y="1803269"/>
+            <a:ext cx="5748169" cy="4457682"/>
+          </a:xfrm>
+          <a:prstGeom prst="rect">
+            <a:avLst/>
+          </a:prstGeom>
+          <a:noFill/>
+          <a:ln>
+            <a:noFill/>
+          </a:ln>
+        </p:spPr>
+      </p:pic>
+    </p:spTree>
+    <p:extLst>
+      <p:ext uri="{BB962C8B-B14F-4D97-AF65-F5344CB8AC3E}">
+        <p14:creationId xmlns:p14="http://schemas.microsoft.com/office/powerpoint/2010/main" val="3334275882"/>
+      </p:ext>
+    </p:extLst>
+  </p:cSld>
+  <p:clrMapOvr>
+    <a:masterClrMapping/>
+  </p:clrMapOvr>
+</p:sld>
+</file>
+
+<file path=ppt/slides/slide11.xml><?xml version="1.0" encoding="utf-8"?>
+<p:sld xmlns:a="http://schemas.openxmlformats.org/drawingml/2006/main" xmlns:r="http://schemas.openxmlformats.org/officeDocument/2006/relationships" xmlns:p="http://schemas.openxmlformats.org/presentationml/2006/main">
+  <p:cSld>
+    <p:spTree>
+      <p:nvGrpSpPr>
+        <p:cNvPr id="1" name=""/>
+        <p:cNvGrpSpPr/>
+        <p:nvPr/>
+      </p:nvGrpSpPr>
+      <p:grpSpPr>
+        <a:xfrm>
+          <a:off x="0" y="0"/>
+          <a:ext cx="0" cy="0"/>
+          <a:chOff x="0" y="0"/>
+          <a:chExt cx="0" cy="0"/>
+        </a:xfrm>
+      </p:grpSpPr>
       <p:pic>
         <p:nvPicPr>
           <p:cNvPr id="6" name="Рисунок 5">
@@ -3513,7 +3853,303 @@
 </p:sld>
 </file>
 
+<file path=ppt/slides/slide12.xml><?xml version="1.0" encoding="utf-8"?>
+<p:sld xmlns:a="http://schemas.openxmlformats.org/drawingml/2006/main" xmlns:r="http://schemas.openxmlformats.org/officeDocument/2006/relationships" xmlns:p="http://schemas.openxmlformats.org/presentationml/2006/main">
+  <p:cSld>
+    <p:spTree>
+      <p:nvGrpSpPr>
+        <p:cNvPr id="1" name=""/>
+        <p:cNvGrpSpPr/>
+        <p:nvPr/>
+      </p:nvGrpSpPr>
+      <p:grpSpPr>
+        <a:xfrm>
+          <a:off x="0" y="0"/>
+          <a:ext cx="0" cy="0"/>
+          <a:chOff x="0" y="0"/>
+          <a:chExt cx="0" cy="0"/>
+        </a:xfrm>
+      </p:grpSpPr>
+      <p:sp>
+        <p:nvSpPr>
+          <p:cNvPr id="4" name="Прямоугольник 3">
+            <a:extLst>
+              <a:ext uri="{FF2B5EF4-FFF2-40B4-BE49-F238E27FC236}">
+                <a16:creationId xmlns:a16="http://schemas.microsoft.com/office/drawing/2014/main" id="{4FA42F8C-D4A2-4D36-8FA8-0AE026A0ADFE}"/>
+              </a:ext>
+            </a:extLst>
+          </p:cNvPr>
+          <p:cNvSpPr/>
+          <p:nvPr/>
+        </p:nvSpPr>
+        <p:spPr>
+          <a:xfrm>
+            <a:off x="946674" y="1822597"/>
+            <a:ext cx="9961580" cy="4476931"/>
+          </a:xfrm>
+          <a:prstGeom prst="rect">
+            <a:avLst/>
+          </a:prstGeom>
+        </p:spPr>
+        <p:txBody>
+          <a:bodyPr wrap="square">
+            <a:spAutoFit/>
+          </a:bodyPr>
+          <a:lstStyle/>
+          <a:p>
+            <a:pPr indent="449580" algn="just">
+              <a:lnSpc>
+                <a:spcPct val="107000"/>
+              </a:lnSpc>
+              <a:spcAft>
+                <a:spcPts val="1800"/>
+              </a:spcAft>
+            </a:pPr>
+            <a:r>
+              <a:rPr lang="ru-RU" dirty="0">
+                <a:solidFill>
+                  <a:srgbClr val="333333"/>
+                </a:solidFill>
+                <a:latin typeface="Times New Roman" panose="02020603050405020304" pitchFamily="18" charset="0"/>
+                <a:ea typeface="Calibri" panose="020F0502020204030204" pitchFamily="34" charset="0"/>
+                <a:cs typeface="Times New Roman" panose="02020603050405020304" pitchFamily="18" charset="0"/>
+              </a:rPr>
+              <a:t>В работе были рассмотрено использование фильтров и встроенных методов в задаче отбора признаков. К достоинствам фильтров можно отнести низкую стоимость вычислений (линейно зависит от количества признаков) и интерпретируемость. К недостаткам – то, что они рассматривают каждый признак изолировано, поэтому не могут выявить более сложные зависимости в данных, например, зависимость от нескольких предикторов. Эти методы хорошо подойдут, если в данных большое количество признаков, но малое количество объектов (что встречается, например, в медицинских, или биологических исследованиях).</a:t>
+            </a:r>
+            <a:endParaRPr lang="ru-RU" sz="1400" dirty="0">
+              <a:latin typeface="Calibri" panose="020F0502020204030204" pitchFamily="34" charset="0"/>
+              <a:ea typeface="Calibri" panose="020F0502020204030204" pitchFamily="34" charset="0"/>
+              <a:cs typeface="Times New Roman" panose="02020603050405020304" pitchFamily="18" charset="0"/>
+            </a:endParaRPr>
+          </a:p>
+          <a:p>
+            <a:pPr indent="449580" algn="just">
+              <a:lnSpc>
+                <a:spcPts val="1800"/>
+              </a:lnSpc>
+              <a:spcAft>
+                <a:spcPts val="1800"/>
+              </a:spcAft>
+            </a:pPr>
+            <a:r>
+              <a:rPr lang="ru-RU" dirty="0">
+                <a:solidFill>
+                  <a:srgbClr val="333333"/>
+                </a:solidFill>
+                <a:latin typeface="Times New Roman" panose="02020603050405020304" pitchFamily="18" charset="0"/>
+                <a:ea typeface="Calibri" panose="020F0502020204030204" pitchFamily="34" charset="0"/>
+                <a:cs typeface="Times New Roman" panose="02020603050405020304" pitchFamily="18" charset="0"/>
+              </a:rPr>
+              <a:t>Также в работе были рассмотрены модель решающего дерева и случайного леса. К достоинствам решающего дерева можно отнести порождение четких правил классификации и быстрые процессы обучения и прогнозирования, а к достоинствам случайного леса - существование методов оценивания значимости отдельных признаков в модели и способность эффективно обрабатывать данные с большим числом признаков и классов. К недостаткам деревьев относят чувствительность к шумам во входных данных и необходимость отсекать ветви дерева (</a:t>
+            </a:r>
+            <a:r>
+              <a:rPr lang="ru-RU" dirty="0" err="1">
+                <a:solidFill>
+                  <a:srgbClr val="333333"/>
+                </a:solidFill>
+                <a:latin typeface="Times New Roman" panose="02020603050405020304" pitchFamily="18" charset="0"/>
+                <a:ea typeface="Calibri" panose="020F0502020204030204" pitchFamily="34" charset="0"/>
+                <a:cs typeface="Times New Roman" panose="02020603050405020304" pitchFamily="18" charset="0"/>
+              </a:rPr>
+              <a:t>pruning</a:t>
+            </a:r>
+            <a:r>
+              <a:rPr lang="ru-RU" dirty="0">
+                <a:solidFill>
+                  <a:srgbClr val="333333"/>
+                </a:solidFill>
+                <a:latin typeface="Times New Roman" panose="02020603050405020304" pitchFamily="18" charset="0"/>
+                <a:ea typeface="Calibri" panose="020F0502020204030204" pitchFamily="34" charset="0"/>
+                <a:cs typeface="Times New Roman" panose="02020603050405020304" pitchFamily="18" charset="0"/>
+              </a:rPr>
+              <a:t>) или устанавливать минимальное число элементов в листьях дерева или максимальную глубину дерева для борьбы с переобучением. К недостаткам случайного леса – увеличенную сложность интерпретации по сравнению с решающим деревом.</a:t>
+            </a:r>
+            <a:endParaRPr lang="ru-RU" sz="1400" dirty="0">
+              <a:effectLst/>
+              <a:latin typeface="Calibri" panose="020F0502020204030204" pitchFamily="34" charset="0"/>
+              <a:ea typeface="Calibri" panose="020F0502020204030204" pitchFamily="34" charset="0"/>
+              <a:cs typeface="Times New Roman" panose="02020603050405020304" pitchFamily="18" charset="0"/>
+            </a:endParaRPr>
+          </a:p>
+        </p:txBody>
+      </p:sp>
+      <p:sp>
+        <p:nvSpPr>
+          <p:cNvPr id="5" name="TextBox 4">
+            <a:extLst>
+              <a:ext uri="{FF2B5EF4-FFF2-40B4-BE49-F238E27FC236}">
+                <a16:creationId xmlns:a16="http://schemas.microsoft.com/office/drawing/2014/main" id="{41427B5E-151A-4EF8-B224-06E2B29A5B41}"/>
+              </a:ext>
+            </a:extLst>
+          </p:cNvPr>
+          <p:cNvSpPr txBox="1"/>
+          <p:nvPr/>
+        </p:nvSpPr>
+        <p:spPr>
+          <a:xfrm>
+            <a:off x="1086522" y="753035"/>
+            <a:ext cx="6250193" cy="369332"/>
+          </a:xfrm>
+          <a:prstGeom prst="rect">
+            <a:avLst/>
+          </a:prstGeom>
+          <a:noFill/>
+        </p:spPr>
+        <p:txBody>
+          <a:bodyPr wrap="square" rtlCol="0">
+            <a:spAutoFit/>
+          </a:bodyPr>
+          <a:lstStyle/>
+          <a:p>
+            <a:r>
+              <a:rPr lang="ru-RU" dirty="0"/>
+              <a:t>Заключение:</a:t>
+            </a:r>
+          </a:p>
+        </p:txBody>
+      </p:sp>
+    </p:spTree>
+    <p:extLst>
+      <p:ext uri="{BB962C8B-B14F-4D97-AF65-F5344CB8AC3E}">
+        <p14:creationId xmlns:p14="http://schemas.microsoft.com/office/powerpoint/2010/main" val="1321226165"/>
+      </p:ext>
+    </p:extLst>
+  </p:cSld>
+  <p:clrMapOvr>
+    <a:masterClrMapping/>
+  </p:clrMapOvr>
+</p:sld>
+</file>
+
 <file path=ppt/slides/slide2.xml><?xml version="1.0" encoding="utf-8"?>
+<p:sld xmlns:a="http://schemas.openxmlformats.org/drawingml/2006/main" xmlns:r="http://schemas.openxmlformats.org/officeDocument/2006/relationships" xmlns:p="http://schemas.openxmlformats.org/presentationml/2006/main">
+  <p:cSld>
+    <p:spTree>
+      <p:nvGrpSpPr>
+        <p:cNvPr id="1" name=""/>
+        <p:cNvGrpSpPr/>
+        <p:nvPr/>
+      </p:nvGrpSpPr>
+      <p:grpSpPr>
+        <a:xfrm>
+          <a:off x="0" y="0"/>
+          <a:ext cx="0" cy="0"/>
+          <a:chOff x="0" y="0"/>
+          <a:chExt cx="0" cy="0"/>
+        </a:xfrm>
+      </p:grpSpPr>
+      <p:sp>
+        <p:nvSpPr>
+          <p:cNvPr id="4" name="Прямоугольник 3">
+            <a:extLst>
+              <a:ext uri="{FF2B5EF4-FFF2-40B4-BE49-F238E27FC236}">
+                <a16:creationId xmlns:a16="http://schemas.microsoft.com/office/drawing/2014/main" id="{A1A9A3F8-47AD-412A-9BB2-C12C8C33711A}"/>
+              </a:ext>
+            </a:extLst>
+          </p:cNvPr>
+          <p:cNvSpPr/>
+          <p:nvPr/>
+        </p:nvSpPr>
+        <p:spPr>
+          <a:xfrm>
+            <a:off x="1665642" y="623745"/>
+            <a:ext cx="8860715" cy="5610510"/>
+          </a:xfrm>
+          <a:prstGeom prst="rect">
+            <a:avLst/>
+          </a:prstGeom>
+        </p:spPr>
+        <p:txBody>
+          <a:bodyPr wrap="square">
+            <a:spAutoFit/>
+          </a:bodyPr>
+          <a:lstStyle/>
+          <a:p>
+            <a:pPr algn="just">
+              <a:lnSpc>
+                <a:spcPct val="107000"/>
+              </a:lnSpc>
+              <a:spcAft>
+                <a:spcPts val="1800"/>
+              </a:spcAft>
+            </a:pPr>
+            <a:r>
+              <a:rPr lang="ru-RU" sz="2000" dirty="0">
+                <a:latin typeface="Times New Roman" panose="02020603050405020304" pitchFamily="18" charset="0"/>
+                <a:ea typeface="Calibri" panose="020F0502020204030204" pitchFamily="34" charset="0"/>
+                <a:cs typeface="Times New Roman" panose="02020603050405020304" pitchFamily="18" charset="0"/>
+              </a:rPr>
+              <a:t>Введение</a:t>
+            </a:r>
+            <a:endParaRPr lang="ru-RU" sz="1400" dirty="0">
+              <a:latin typeface="Calibri" panose="020F0502020204030204" pitchFamily="34" charset="0"/>
+              <a:ea typeface="Calibri" panose="020F0502020204030204" pitchFamily="34" charset="0"/>
+              <a:cs typeface="Times New Roman" panose="02020603050405020304" pitchFamily="18" charset="0"/>
+            </a:endParaRPr>
+          </a:p>
+          <a:p>
+            <a:pPr indent="449580" algn="just">
+              <a:lnSpc>
+                <a:spcPct val="107000"/>
+              </a:lnSpc>
+              <a:spcAft>
+                <a:spcPts val="1800"/>
+              </a:spcAft>
+            </a:pPr>
+            <a:r>
+              <a:rPr lang="ru-RU" dirty="0">
+                <a:latin typeface="Times New Roman" panose="02020603050405020304" pitchFamily="18" charset="0"/>
+                <a:ea typeface="Calibri" panose="020F0502020204030204" pitchFamily="34" charset="0"/>
+                <a:cs typeface="Times New Roman" panose="02020603050405020304" pitchFamily="18" charset="0"/>
+              </a:rPr>
+              <a:t>Одна из фундаментальных проблем машинного обучения в том, что обученные модели работают как "черный ящик". Машинное обучение в целом сводится к тому, что мы какую-то очень гибкую и настраиваемую функцию подгоняем под такой вид, который хорошо описывает какие-то имеющиеся данные. Например, мы знаем, как формируется нейронная сеть, знаем, как происходит её обучение, но после того, как она обучена, её поведение очень сложно интерпретировать - она может имеющиеся у нас данные описывать просто идеально, но мы всё равно не будем знать, какие именно принципы лежат в полученном функциональном преобразовании. Т.е. мы знаем выходной результат, но мы не знаем, почему мы получили именно такой результат, а не какой-то другой.</a:t>
+            </a:r>
+            <a:endParaRPr lang="ru-RU" sz="1400" dirty="0">
+              <a:latin typeface="Calibri" panose="020F0502020204030204" pitchFamily="34" charset="0"/>
+              <a:ea typeface="Calibri" panose="020F0502020204030204" pitchFamily="34" charset="0"/>
+              <a:cs typeface="Times New Roman" panose="02020603050405020304" pitchFamily="18" charset="0"/>
+            </a:endParaRPr>
+          </a:p>
+          <a:p>
+            <a:pPr indent="449580" algn="just">
+              <a:lnSpc>
+                <a:spcPct val="107000"/>
+              </a:lnSpc>
+              <a:spcAft>
+                <a:spcPts val="1800"/>
+              </a:spcAft>
+            </a:pPr>
+            <a:r>
+              <a:rPr lang="ru-RU" dirty="0">
+                <a:latin typeface="Times New Roman" panose="02020603050405020304" pitchFamily="18" charset="0"/>
+                <a:ea typeface="Calibri" panose="020F0502020204030204" pitchFamily="34" charset="0"/>
+                <a:cs typeface="Times New Roman" panose="02020603050405020304" pitchFamily="18" charset="0"/>
+              </a:rPr>
+              <a:t>Задача - попытаться хоть как-то объяснить поведение таких моделей. Одна из сторон медали - попытаться для начала понять, какие из входных признаков являются наиболее значимыми по сравнению с другими. Есть модели, в которых эта задача решается "из коробки" просто из-за специфики построения модели - например, деревья принятия решений или случайные леса. Есть другие модели, типа нейронных сетей, в которых эта задача вообще никак не решается.</a:t>
+            </a:r>
+            <a:endParaRPr lang="ru-RU" sz="1400" dirty="0">
+              <a:effectLst/>
+              <a:latin typeface="Calibri" panose="020F0502020204030204" pitchFamily="34" charset="0"/>
+              <a:ea typeface="Calibri" panose="020F0502020204030204" pitchFamily="34" charset="0"/>
+              <a:cs typeface="Times New Roman" panose="02020603050405020304" pitchFamily="18" charset="0"/>
+            </a:endParaRPr>
+          </a:p>
+        </p:txBody>
+      </p:sp>
+    </p:spTree>
+    <p:extLst>
+      <p:ext uri="{BB962C8B-B14F-4D97-AF65-F5344CB8AC3E}">
+        <p14:creationId xmlns:p14="http://schemas.microsoft.com/office/powerpoint/2010/main" val="1258957585"/>
+      </p:ext>
+    </p:extLst>
+  </p:cSld>
+  <p:clrMapOvr>
+    <a:masterClrMapping/>
+  </p:clrMapOvr>
+</p:sld>
+</file>
+
+<file path=ppt/slides/slide3.xml><?xml version="1.0" encoding="utf-8"?>
 <p:sld xmlns:a="http://schemas.openxmlformats.org/drawingml/2006/main" xmlns:r="http://schemas.openxmlformats.org/officeDocument/2006/relationships" xmlns:p="http://schemas.openxmlformats.org/presentationml/2006/main">
   <p:cSld>
     <p:spTree>
@@ -3573,7 +4209,7 @@
 </p:sld>
 </file>
 
-<file path=ppt/slides/slide3.xml><?xml version="1.0" encoding="utf-8"?>
+<file path=ppt/slides/slide4.xml><?xml version="1.0" encoding="utf-8"?>
 <p:sld xmlns:a="http://schemas.openxmlformats.org/drawingml/2006/main" xmlns:r="http://schemas.openxmlformats.org/officeDocument/2006/relationships" xmlns:p="http://schemas.openxmlformats.org/presentationml/2006/main">
   <p:cSld>
     <p:spTree>
@@ -3650,7 +4286,7 @@
 </p:sld>
 </file>
 
-<file path=ppt/slides/slide4.xml><?xml version="1.0" encoding="utf-8"?>
+<file path=ppt/slides/slide5.xml><?xml version="1.0" encoding="utf-8"?>
 <p:sld xmlns:a="http://schemas.openxmlformats.org/drawingml/2006/main" xmlns:r="http://schemas.openxmlformats.org/officeDocument/2006/relationships" xmlns:p="http://schemas.openxmlformats.org/presentationml/2006/main">
   <p:cSld>
     <p:spTree>
@@ -3738,7 +4374,7 @@
 </p:sld>
 </file>
 
-<file path=ppt/slides/slide5.xml><?xml version="1.0" encoding="utf-8"?>
+<file path=ppt/slides/slide6.xml><?xml version="1.0" encoding="utf-8"?>
 <p:sld xmlns:a="http://schemas.openxmlformats.org/drawingml/2006/main" xmlns:r="http://schemas.openxmlformats.org/officeDocument/2006/relationships" xmlns:p="http://schemas.openxmlformats.org/presentationml/2006/main">
   <p:cSld>
     <p:spTree>
@@ -3826,7 +4462,7 @@
 </p:sld>
 </file>
 
-<file path=ppt/slides/slide6.xml><?xml version="1.0" encoding="utf-8"?>
+<file path=ppt/slides/slide7.xml><?xml version="1.0" encoding="utf-8"?>
 <p:sld xmlns:a="http://schemas.openxmlformats.org/drawingml/2006/main" xmlns:r="http://schemas.openxmlformats.org/officeDocument/2006/relationships" xmlns:p="http://schemas.openxmlformats.org/presentationml/2006/main">
   <p:cSld>
     <p:spTree>
@@ -3903,7 +4539,7 @@
 </p:sld>
 </file>
 
-<file path=ppt/slides/slide7.xml><?xml version="1.0" encoding="utf-8"?>
+<file path=ppt/slides/slide8.xml><?xml version="1.0" encoding="utf-8"?>
 <p:sld xmlns:a="http://schemas.openxmlformats.org/drawingml/2006/main" xmlns:r="http://schemas.openxmlformats.org/officeDocument/2006/relationships" xmlns:p="http://schemas.openxmlformats.org/presentationml/2006/main">
   <p:cSld>
     <p:spTree>
@@ -4045,110 +4681,6 @@
     <p:extLst>
       <p:ext uri="{BB962C8B-B14F-4D97-AF65-F5344CB8AC3E}">
         <p14:creationId xmlns:p14="http://schemas.microsoft.com/office/powerpoint/2010/main" val="1485768542"/>
-      </p:ext>
-    </p:extLst>
-  </p:cSld>
-  <p:clrMapOvr>
-    <a:masterClrMapping/>
-  </p:clrMapOvr>
-</p:sld>
-</file>
-
-<file path=ppt/slides/slide8.xml><?xml version="1.0" encoding="utf-8"?>
-<p:sld xmlns:a="http://schemas.openxmlformats.org/drawingml/2006/main" xmlns:r="http://schemas.openxmlformats.org/officeDocument/2006/relationships" xmlns:p="http://schemas.openxmlformats.org/presentationml/2006/main">
-  <p:cSld>
-    <p:spTree>
-      <p:nvGrpSpPr>
-        <p:cNvPr id="1" name=""/>
-        <p:cNvGrpSpPr/>
-        <p:nvPr/>
-      </p:nvGrpSpPr>
-      <p:grpSpPr>
-        <a:xfrm>
-          <a:off x="0" y="0"/>
-          <a:ext cx="0" cy="0"/>
-          <a:chOff x="0" y="0"/>
-          <a:chExt cx="0" cy="0"/>
-        </a:xfrm>
-      </p:grpSpPr>
-      <p:pic>
-        <p:nvPicPr>
-          <p:cNvPr id="4" name="Рисунок 3">
-            <a:extLst>
-              <a:ext uri="{FF2B5EF4-FFF2-40B4-BE49-F238E27FC236}">
-                <a16:creationId xmlns:a16="http://schemas.microsoft.com/office/drawing/2014/main" id="{292914E2-CAB5-4D88-BB8C-D6A40F7CC80B}"/>
-              </a:ext>
-            </a:extLst>
-          </p:cNvPr>
-          <p:cNvPicPr/>
-          <p:nvPr/>
-        </p:nvPicPr>
-        <p:blipFill>
-          <a:blip r:embed="rId2">
-            <a:extLst>
-              <a:ext uri="{28A0092B-C50C-407E-A947-70E740481C1C}">
-                <a14:useLocalDpi xmlns:a14="http://schemas.microsoft.com/office/drawing/2010/main" val="0"/>
-              </a:ext>
-            </a:extLst>
-          </a:blip>
-          <a:srcRect/>
-          <a:stretch>
-            <a:fillRect/>
-          </a:stretch>
-        </p:blipFill>
-        <p:spPr bwMode="auto">
-          <a:xfrm>
-            <a:off x="1318503" y="2432367"/>
-            <a:ext cx="8944293" cy="4119040"/>
-          </a:xfrm>
-          <a:prstGeom prst="rect">
-            <a:avLst/>
-          </a:prstGeom>
-          <a:noFill/>
-          <a:ln>
-            <a:noFill/>
-          </a:ln>
-        </p:spPr>
-      </p:pic>
-      <p:sp>
-        <p:nvSpPr>
-          <p:cNvPr id="5" name="TextBox 4">
-            <a:extLst>
-              <a:ext uri="{FF2B5EF4-FFF2-40B4-BE49-F238E27FC236}">
-                <a16:creationId xmlns:a16="http://schemas.microsoft.com/office/drawing/2014/main" id="{1ADC85EF-DBFE-4DDE-B634-8A8CAD8655C0}"/>
-              </a:ext>
-            </a:extLst>
-          </p:cNvPr>
-          <p:cNvSpPr txBox="1"/>
-          <p:nvPr/>
-        </p:nvSpPr>
-        <p:spPr>
-          <a:xfrm>
-            <a:off x="4067549" y="1194100"/>
-            <a:ext cx="3446200" cy="369332"/>
-          </a:xfrm>
-          <a:prstGeom prst="rect">
-            <a:avLst/>
-          </a:prstGeom>
-          <a:noFill/>
-        </p:spPr>
-        <p:txBody>
-          <a:bodyPr wrap="none" rtlCol="0">
-            <a:spAutoFit/>
-          </a:bodyPr>
-          <a:lstStyle/>
-          <a:p>
-            <a:r>
-              <a:rPr lang="ru-RU" dirty="0"/>
-              <a:t>Добавление шумовых признаков</a:t>
-            </a:r>
-          </a:p>
-        </p:txBody>
-      </p:sp>
-    </p:spTree>
-    <p:extLst>
-      <p:ext uri="{BB962C8B-B14F-4D97-AF65-F5344CB8AC3E}">
-        <p14:creationId xmlns:p14="http://schemas.microsoft.com/office/powerpoint/2010/main" val="1133145489"/>
       </p:ext>
     </p:extLst>
   </p:cSld>
@@ -4175,47 +4707,12 @@
           <a:chExt cx="0" cy="0"/>
         </a:xfrm>
       </p:grpSpPr>
-      <p:sp>
-        <p:nvSpPr>
-          <p:cNvPr id="2" name="Заголовок 1">
-            <a:extLst>
-              <a:ext uri="{FF2B5EF4-FFF2-40B4-BE49-F238E27FC236}">
-                <a16:creationId xmlns:a16="http://schemas.microsoft.com/office/drawing/2014/main" id="{59D45756-2ADD-4EC9-851F-D49FFB4CD566}"/>
-              </a:ext>
-            </a:extLst>
-          </p:cNvPr>
-          <p:cNvSpPr>
-            <a:spLocks noGrp="1"/>
-          </p:cNvSpPr>
-          <p:nvPr>
-            <p:ph type="title"/>
-          </p:nvPr>
-        </p:nvSpPr>
-        <p:spPr>
-          <a:xfrm>
-            <a:off x="4186069" y="477706"/>
-            <a:ext cx="3819861" cy="1325563"/>
-          </a:xfrm>
-        </p:spPr>
-        <p:txBody>
-          <a:bodyPr>
-            <a:normAutofit/>
-          </a:bodyPr>
-          <a:lstStyle/>
-          <a:p>
-            <a:r>
-              <a:rPr lang="ru-RU" sz="1800" dirty="0"/>
-              <a:t>Обучение с шумовыми признаками:</a:t>
-            </a:r>
-          </a:p>
-        </p:txBody>
-      </p:sp>
       <p:pic>
         <p:nvPicPr>
           <p:cNvPr id="4" name="Рисунок 3">
             <a:extLst>
               <a:ext uri="{FF2B5EF4-FFF2-40B4-BE49-F238E27FC236}">
-                <a16:creationId xmlns:a16="http://schemas.microsoft.com/office/drawing/2014/main" id="{FEF60E42-2741-46BE-A9F7-8C0DE8FDFA49}"/>
+                <a16:creationId xmlns:a16="http://schemas.microsoft.com/office/drawing/2014/main" id="{292914E2-CAB5-4D88-BB8C-D6A40F7CC80B}"/>
               </a:ext>
             </a:extLst>
           </p:cNvPr>
@@ -4237,8 +4734,8 @@
         </p:blipFill>
         <p:spPr bwMode="auto">
           <a:xfrm>
-            <a:off x="731239" y="1728787"/>
-            <a:ext cx="5131679" cy="4650498"/>
+            <a:off x="1318503" y="2432367"/>
+            <a:ext cx="8944293" cy="4119040"/>
           </a:xfrm>
           <a:prstGeom prst="rect">
             <a:avLst/>
@@ -4249,49 +4746,45 @@
           </a:ln>
         </p:spPr>
       </p:pic>
-      <p:pic>
-        <p:nvPicPr>
-          <p:cNvPr id="5" name="Рисунок 4">
-            <a:extLst>
-              <a:ext uri="{FF2B5EF4-FFF2-40B4-BE49-F238E27FC236}">
-                <a16:creationId xmlns:a16="http://schemas.microsoft.com/office/drawing/2014/main" id="{518E671E-6D73-4AB6-9936-AF2D13BA63CB}"/>
-              </a:ext>
-            </a:extLst>
-          </p:cNvPr>
-          <p:cNvPicPr/>
+      <p:sp>
+        <p:nvSpPr>
+          <p:cNvPr id="5" name="TextBox 4">
+            <a:extLst>
+              <a:ext uri="{FF2B5EF4-FFF2-40B4-BE49-F238E27FC236}">
+                <a16:creationId xmlns:a16="http://schemas.microsoft.com/office/drawing/2014/main" id="{1ADC85EF-DBFE-4DDE-B634-8A8CAD8655C0}"/>
+              </a:ext>
+            </a:extLst>
+          </p:cNvPr>
+          <p:cNvSpPr txBox="1"/>
           <p:nvPr/>
-        </p:nvPicPr>
-        <p:blipFill>
-          <a:blip r:embed="rId3">
-            <a:extLst>
-              <a:ext uri="{28A0092B-C50C-407E-A947-70E740481C1C}">
-                <a14:useLocalDpi xmlns:a14="http://schemas.microsoft.com/office/drawing/2010/main" val="0"/>
-              </a:ext>
-            </a:extLst>
-          </a:blip>
-          <a:srcRect/>
-          <a:stretch>
-            <a:fillRect/>
-          </a:stretch>
-        </p:blipFill>
-        <p:spPr bwMode="auto">
+        </p:nvSpPr>
+        <p:spPr>
           <a:xfrm>
-            <a:off x="6096000" y="1803269"/>
-            <a:ext cx="5748169" cy="4457682"/>
+            <a:off x="4067549" y="1194100"/>
+            <a:ext cx="3446200" cy="369332"/>
           </a:xfrm>
           <a:prstGeom prst="rect">
             <a:avLst/>
           </a:prstGeom>
           <a:noFill/>
-          <a:ln>
-            <a:noFill/>
-          </a:ln>
         </p:spPr>
-      </p:pic>
+        <p:txBody>
+          <a:bodyPr wrap="none" rtlCol="0">
+            <a:spAutoFit/>
+          </a:bodyPr>
+          <a:lstStyle/>
+          <a:p>
+            <a:r>
+              <a:rPr lang="ru-RU" dirty="0"/>
+              <a:t>Добавление шумовых признаков</a:t>
+            </a:r>
+          </a:p>
+        </p:txBody>
+      </p:sp>
     </p:spTree>
     <p:extLst>
       <p:ext uri="{BB962C8B-B14F-4D97-AF65-F5344CB8AC3E}">
-        <p14:creationId xmlns:p14="http://schemas.microsoft.com/office/powerpoint/2010/main" val="3334275882"/>
+        <p14:creationId xmlns:p14="http://schemas.microsoft.com/office/powerpoint/2010/main" val="1133145489"/>
       </p:ext>
     </p:extLst>
   </p:cSld>

--- a/Методы анализа влияния входных признаков при разработке моделей.pptx
+++ b/Методы анализа влияния входных признаков при разработке моделей.pptx
@@ -3884,8 +3884,8 @@
         </p:nvSpPr>
         <p:spPr>
           <a:xfrm>
-            <a:off x="946674" y="1822597"/>
-            <a:ext cx="9961580" cy="4476931"/>
+            <a:off x="857464" y="369332"/>
+            <a:ext cx="9961580" cy="5611793"/>
           </a:xfrm>
           <a:prstGeom prst="rect">
             <a:avLst/>
@@ -3914,18 +3914,13 @@
                 <a:ea typeface="Calibri" panose="020F0502020204030204" pitchFamily="34" charset="0"/>
                 <a:cs typeface="Times New Roman" panose="02020603050405020304" pitchFamily="18" charset="0"/>
               </a:rPr>
-              <a:t>В работе были рассмотрено использование фильтров и встроенных методов в задаче отбора признаков. К достоинствам фильтров можно отнести низкую стоимость вычислений (линейно зависит от количества признаков) и интерпретируемость. К недостаткам – то, что они рассматривают каждый признак изолировано, поэтому не могут выявить более сложные зависимости в данных, например, зависимость от нескольких предикторов. Эти методы хорошо подойдут, если в данных большое количество признаков, но малое количество объектов (что встречается, например, в медицинских, или биологических исследованиях).</a:t>
-            </a:r>
-            <a:endParaRPr lang="ru-RU" sz="1400" dirty="0">
-              <a:latin typeface="Calibri" panose="020F0502020204030204" pitchFamily="34" charset="0"/>
-              <a:ea typeface="Calibri" panose="020F0502020204030204" pitchFamily="34" charset="0"/>
-              <a:cs typeface="Times New Roman" panose="02020603050405020304" pitchFamily="18" charset="0"/>
-            </a:endParaRPr>
+              <a:t>В работе были рассмотрено использование фильтров и встроенных методов в задаче отбора признаков. </a:t>
+            </a:r>
           </a:p>
           <a:p>
             <a:pPr indent="449580" algn="just">
               <a:lnSpc>
-                <a:spcPts val="1800"/>
+                <a:spcPct val="107000"/>
               </a:lnSpc>
               <a:spcAft>
                 <a:spcPts val="1800"/>
@@ -3940,7 +3935,116 @@
                 <a:ea typeface="Calibri" panose="020F0502020204030204" pitchFamily="34" charset="0"/>
                 <a:cs typeface="Times New Roman" panose="02020603050405020304" pitchFamily="18" charset="0"/>
               </a:rPr>
-              <a:t>Также в работе были рассмотрены модель решающего дерева и случайного леса. К достоинствам решающего дерева можно отнести порождение четких правил классификации и быстрые процессы обучения и прогнозирования, а к достоинствам случайного леса - существование методов оценивания значимости отдельных признаков в модели и способность эффективно обрабатывать данные с большим числом признаков и классов. К недостаткам деревьев относят чувствительность к шумам во входных данных и необходимость отсекать ветви дерева (</a:t>
+              <a:t>Достоинства фильтров </a:t>
+            </a:r>
+          </a:p>
+          <a:p>
+            <a:pPr marL="285750" indent="-285750" algn="just">
+              <a:lnSpc>
+                <a:spcPct val="107000"/>
+              </a:lnSpc>
+              <a:spcAft>
+                <a:spcPts val="1800"/>
+              </a:spcAft>
+              <a:buFont typeface="Arial" panose="020B0604020202020204" pitchFamily="34" charset="0"/>
+              <a:buChar char="•"/>
+            </a:pPr>
+            <a:r>
+              <a:rPr lang="ru-RU" dirty="0">
+                <a:solidFill>
+                  <a:srgbClr val="333333"/>
+                </a:solidFill>
+                <a:latin typeface="Times New Roman" panose="02020603050405020304" pitchFamily="18" charset="0"/>
+                <a:ea typeface="Calibri" panose="020F0502020204030204" pitchFamily="34" charset="0"/>
+                <a:cs typeface="Times New Roman" panose="02020603050405020304" pitchFamily="18" charset="0"/>
+              </a:rPr>
+              <a:t>низкая стоимость вычислений (линейно зависит от количества признаков) и интерпретируемость. </a:t>
+            </a:r>
+          </a:p>
+          <a:p>
+            <a:pPr algn="just">
+              <a:lnSpc>
+                <a:spcPct val="107000"/>
+              </a:lnSpc>
+              <a:spcAft>
+                <a:spcPts val="1800"/>
+              </a:spcAft>
+            </a:pPr>
+            <a:r>
+              <a:rPr lang="ru-RU" dirty="0">
+                <a:solidFill>
+                  <a:srgbClr val="333333"/>
+                </a:solidFill>
+                <a:latin typeface="Times New Roman" panose="02020603050405020304" pitchFamily="18" charset="0"/>
+                <a:ea typeface="Calibri" panose="020F0502020204030204" pitchFamily="34" charset="0"/>
+                <a:cs typeface="Times New Roman" panose="02020603050405020304" pitchFamily="18" charset="0"/>
+              </a:rPr>
+              <a:t>Недостатки</a:t>
+            </a:r>
+          </a:p>
+          <a:p>
+            <a:pPr marL="285750" indent="-285750" algn="just">
+              <a:lnSpc>
+                <a:spcPct val="107000"/>
+              </a:lnSpc>
+              <a:spcAft>
+                <a:spcPts val="1800"/>
+              </a:spcAft>
+              <a:buFont typeface="Arial" panose="020B0604020202020204" pitchFamily="34" charset="0"/>
+              <a:buChar char="•"/>
+            </a:pPr>
+            <a:r>
+              <a:rPr lang="ru-RU" dirty="0">
+                <a:solidFill>
+                  <a:srgbClr val="333333"/>
+                </a:solidFill>
+                <a:latin typeface="Times New Roman" panose="02020603050405020304" pitchFamily="18" charset="0"/>
+                <a:ea typeface="Calibri" panose="020F0502020204030204" pitchFamily="34" charset="0"/>
+                <a:cs typeface="Times New Roman" panose="02020603050405020304" pitchFamily="18" charset="0"/>
+              </a:rPr>
+              <a:t> – то, что они рассматривают каждый признак изолировано, поэтому не могут выявить более сложные зависимости в данных, например, зависимость от нескольких предикторов. </a:t>
+            </a:r>
+          </a:p>
+          <a:p>
+            <a:pPr algn="just">
+              <a:lnSpc>
+                <a:spcPct val="107000"/>
+              </a:lnSpc>
+              <a:spcAft>
+                <a:spcPts val="1800"/>
+              </a:spcAft>
+            </a:pPr>
+            <a:r>
+              <a:rPr lang="ru-RU" dirty="0">
+                <a:solidFill>
+                  <a:srgbClr val="333333"/>
+                </a:solidFill>
+                <a:latin typeface="Times New Roman" panose="02020603050405020304" pitchFamily="18" charset="0"/>
+                <a:ea typeface="Calibri" panose="020F0502020204030204" pitchFamily="34" charset="0"/>
+                <a:cs typeface="Times New Roman" panose="02020603050405020304" pitchFamily="18" charset="0"/>
+              </a:rPr>
+              <a:t>Также в работе были рассмотрены модель решающего дерева и случайного леса. К достоинствам решающего дерева можно отнести порождение четких правил классификации и быстрые процессы обучения и прогнозирования. </a:t>
+            </a:r>
+          </a:p>
+          <a:p>
+            <a:pPr algn="just">
+              <a:lnSpc>
+                <a:spcPct val="107000"/>
+              </a:lnSpc>
+              <a:spcAft>
+                <a:spcPts val="1800"/>
+              </a:spcAft>
+            </a:pPr>
+            <a:r>
+              <a:rPr lang="ru-RU" dirty="0">
+                <a:solidFill>
+                  <a:srgbClr val="333333"/>
+                </a:solidFill>
+                <a:latin typeface="Times New Roman" panose="02020603050405020304" pitchFamily="18" charset="0"/>
+                <a:ea typeface="Calibri" panose="020F0502020204030204" pitchFamily="34" charset="0"/>
+                <a:cs typeface="Times New Roman" panose="02020603050405020304" pitchFamily="18" charset="0"/>
+              </a:rPr>
+              <a:t>К недостаткам деревьев относят чувствительность к шумам во входных данных и необходимость отсекать ветви дерева (</a:t>
             </a:r>
             <a:r>
               <a:rPr lang="ru-RU" dirty="0" err="1">
@@ -3962,7 +4066,7 @@
                 <a:ea typeface="Calibri" panose="020F0502020204030204" pitchFamily="34" charset="0"/>
                 <a:cs typeface="Times New Roman" panose="02020603050405020304" pitchFamily="18" charset="0"/>
               </a:rPr>
-              <a:t>) или устанавливать минимальное число элементов в листьях дерева или максимальную глубину дерева для борьбы с переобучением. К недостаткам случайного леса – увеличенную сложность интерпретации по сравнению с решающим деревом.</a:t>
+              <a:t>) или устанавливать минимальное число элементов в листьях дерева или максимальную глубину дерева для борьбы с переобучением. </a:t>
             </a:r>
             <a:endParaRPr lang="ru-RU" sz="1400" dirty="0">
               <a:effectLst/>
@@ -3987,7 +4091,7 @@
         </p:nvSpPr>
         <p:spPr>
           <a:xfrm>
-            <a:off x="1086522" y="753035"/>
+            <a:off x="857464" y="0"/>
             <a:ext cx="6250193" cy="369332"/>
           </a:xfrm>
           <a:prstGeom prst="rect">
@@ -4040,99 +4144,129 @@
       </p:grpSpPr>
       <p:sp>
         <p:nvSpPr>
-          <p:cNvPr id="4" name="Прямоугольник 3">
-            <a:extLst>
-              <a:ext uri="{FF2B5EF4-FFF2-40B4-BE49-F238E27FC236}">
-                <a16:creationId xmlns:a16="http://schemas.microsoft.com/office/drawing/2014/main" id="{A1A9A3F8-47AD-412A-9BB2-C12C8C33711A}"/>
-              </a:ext>
-            </a:extLst>
-          </p:cNvPr>
-          <p:cNvSpPr/>
+          <p:cNvPr id="2" name="TextBox 1">
+            <a:extLst>
+              <a:ext uri="{FF2B5EF4-FFF2-40B4-BE49-F238E27FC236}">
+                <a16:creationId xmlns:a16="http://schemas.microsoft.com/office/drawing/2014/main" id="{96A87691-E294-4D3F-8D81-E181C80E51D9}"/>
+              </a:ext>
+            </a:extLst>
+          </p:cNvPr>
+          <p:cNvSpPr txBox="1"/>
           <p:nvPr/>
         </p:nvSpPr>
         <p:spPr>
           <a:xfrm>
-            <a:off x="1665642" y="623745"/>
-            <a:ext cx="8860715" cy="5610510"/>
+            <a:off x="368422" y="645217"/>
+            <a:ext cx="11455155" cy="646331"/>
           </a:xfrm>
           <a:prstGeom prst="rect">
             <a:avLst/>
           </a:prstGeom>
+          <a:noFill/>
         </p:spPr>
         <p:txBody>
-          <a:bodyPr wrap="square">
+          <a:bodyPr wrap="square" rtlCol="0">
             <a:spAutoFit/>
           </a:bodyPr>
           <a:lstStyle/>
           <a:p>
-            <a:pPr algn="just">
-              <a:lnSpc>
-                <a:spcPct val="107000"/>
-              </a:lnSpc>
-              <a:spcAft>
-                <a:spcPts val="1800"/>
-              </a:spcAft>
+            <a:r>
+              <a:rPr lang="ru-RU" dirty="0"/>
+              <a:t>Цель: исследовать возможность интерпретации поведения обученных моделей машинного обучения с учителем на основе методов анализа влияния входных признаков на результат</a:t>
+            </a:r>
+            <a:endParaRPr lang="ru-BY" dirty="0"/>
+          </a:p>
+        </p:txBody>
+      </p:sp>
+      <p:sp>
+        <p:nvSpPr>
+          <p:cNvPr id="3" name="TextBox 2">
+            <a:extLst>
+              <a:ext uri="{FF2B5EF4-FFF2-40B4-BE49-F238E27FC236}">
+                <a16:creationId xmlns:a16="http://schemas.microsoft.com/office/drawing/2014/main" id="{099DE614-E174-44C3-8F14-6216EC49A360}"/>
+              </a:ext>
+            </a:extLst>
+          </p:cNvPr>
+          <p:cNvSpPr txBox="1"/>
+          <p:nvPr/>
+        </p:nvSpPr>
+        <p:spPr>
+          <a:xfrm>
+            <a:off x="624468" y="1962615"/>
+            <a:ext cx="10593659" cy="2308324"/>
+          </a:xfrm>
+          <a:prstGeom prst="rect">
+            <a:avLst/>
+          </a:prstGeom>
+          <a:noFill/>
+        </p:spPr>
+        <p:txBody>
+          <a:bodyPr wrap="square" rtlCol="0">
+            <a:spAutoFit/>
+          </a:bodyPr>
+          <a:lstStyle/>
+          <a:p>
+            <a:r>
+              <a:rPr lang="ru-RU" dirty="0"/>
+              <a:t>Задачи:</a:t>
+            </a:r>
+          </a:p>
+          <a:p>
+            <a:pPr marL="742950" lvl="1" indent="-285750">
+              <a:buFont typeface="Arial" panose="020B0604020202020204" pitchFamily="34" charset="0"/>
+              <a:buChar char="•"/>
             </a:pPr>
             <a:r>
-              <a:rPr lang="ru-RU" sz="2000" dirty="0">
-                <a:latin typeface="Times New Roman" panose="02020603050405020304" pitchFamily="18" charset="0"/>
-                <a:ea typeface="Calibri" panose="020F0502020204030204" pitchFamily="34" charset="0"/>
-                <a:cs typeface="Times New Roman" panose="02020603050405020304" pitchFamily="18" charset="0"/>
-              </a:rPr>
-              <a:t>Введение</a:t>
-            </a:r>
-            <a:endParaRPr lang="ru-RU" sz="1400" dirty="0">
-              <a:latin typeface="Calibri" panose="020F0502020204030204" pitchFamily="34" charset="0"/>
-              <a:ea typeface="Calibri" panose="020F0502020204030204" pitchFamily="34" charset="0"/>
-              <a:cs typeface="Times New Roman" panose="02020603050405020304" pitchFamily="18" charset="0"/>
-            </a:endParaRPr>
-          </a:p>
-          <a:p>
-            <a:pPr indent="449580" algn="just">
-              <a:lnSpc>
-                <a:spcPct val="107000"/>
-              </a:lnSpc>
-              <a:spcAft>
-                <a:spcPts val="1800"/>
-              </a:spcAft>
+              <a:rPr lang="ru-RU" dirty="0"/>
+              <a:t>Рассмотреть проблему </a:t>
+            </a:r>
+            <a:r>
+              <a:rPr lang="en-US" dirty="0"/>
+              <a:t>“</a:t>
+            </a:r>
+            <a:r>
+              <a:rPr lang="ru-RU" dirty="0"/>
+              <a:t>черного ящика</a:t>
+            </a:r>
+            <a:r>
+              <a:rPr lang="en-US" dirty="0"/>
+              <a:t>”</a:t>
+            </a:r>
+            <a:r>
+              <a:rPr lang="ru-RU" dirty="0"/>
+              <a:t> при построении моделей машинного обучения с учителем</a:t>
+            </a:r>
+          </a:p>
+          <a:p>
+            <a:pPr marL="742950" lvl="1" indent="-285750">
+              <a:buFont typeface="Arial" panose="020B0604020202020204" pitchFamily="34" charset="0"/>
+              <a:buChar char="•"/>
             </a:pPr>
             <a:r>
-              <a:rPr lang="ru-RU" dirty="0">
-                <a:latin typeface="Times New Roman" panose="02020603050405020304" pitchFamily="18" charset="0"/>
-                <a:ea typeface="Calibri" panose="020F0502020204030204" pitchFamily="34" charset="0"/>
-                <a:cs typeface="Times New Roman" panose="02020603050405020304" pitchFamily="18" charset="0"/>
-              </a:rPr>
-              <a:t>Одна из фундаментальных проблем машинного обучения в том, что обученные модели работают как "черный ящик". Машинное обучение в целом сводится к тому, что мы какую-то очень гибкую и настраиваемую функцию подгоняем под такой вид, который хорошо описывает какие-то имеющиеся данные. Например, мы знаем, как формируется нейронная сеть, знаем, как происходит её обучение, но после того, как она обучена, её поведение очень сложно интерпретировать - она может имеющиеся у нас данные описывать просто идеально, но мы всё равно не будем знать, какие именно принципы лежат в полученном функциональном преобразовании. Т.е. мы знаем выходной результат, но мы не знаем, почему мы получили именно такой результат, а не какой-то другой.</a:t>
-            </a:r>
-            <a:endParaRPr lang="ru-RU" sz="1400" dirty="0">
-              <a:latin typeface="Calibri" panose="020F0502020204030204" pitchFamily="34" charset="0"/>
-              <a:ea typeface="Calibri" panose="020F0502020204030204" pitchFamily="34" charset="0"/>
-              <a:cs typeface="Times New Roman" panose="02020603050405020304" pitchFamily="18" charset="0"/>
-            </a:endParaRPr>
-          </a:p>
-          <a:p>
-            <a:pPr indent="449580" algn="just">
-              <a:lnSpc>
-                <a:spcPct val="107000"/>
-              </a:lnSpc>
-              <a:spcAft>
-                <a:spcPts val="1800"/>
-              </a:spcAft>
+              <a:rPr lang="ru-RU" dirty="0"/>
+              <a:t>Рассмотреть подход к анализу значимости признаков в моделях на основе деревьев принятия решений</a:t>
+            </a:r>
+          </a:p>
+          <a:p>
+            <a:pPr marL="742950" lvl="1" indent="-285750">
+              <a:buFont typeface="Arial" panose="020B0604020202020204" pitchFamily="34" charset="0"/>
+              <a:buChar char="•"/>
             </a:pPr>
             <a:r>
-              <a:rPr lang="ru-RU" dirty="0">
-                <a:latin typeface="Times New Roman" panose="02020603050405020304" pitchFamily="18" charset="0"/>
-                <a:ea typeface="Calibri" panose="020F0502020204030204" pitchFamily="34" charset="0"/>
-                <a:cs typeface="Times New Roman" panose="02020603050405020304" pitchFamily="18" charset="0"/>
-              </a:rPr>
-              <a:t>Задача - попытаться хоть как-то объяснить поведение таких моделей. Одна из сторон медали - попытаться для начала понять, какие из входных признаков являются наиболее значимыми по сравнению с другими. Есть модели, в которых эта задача решается "из коробки" просто из-за специфики построения модели - например, деревья принятия решений или случайные леса. Есть другие модели, типа нейронных сетей, в которых эта задача вообще никак не решается.</a:t>
-            </a:r>
-            <a:endParaRPr lang="ru-RU" sz="1400" dirty="0">
-              <a:effectLst/>
-              <a:latin typeface="Calibri" panose="020F0502020204030204" pitchFamily="34" charset="0"/>
-              <a:ea typeface="Calibri" panose="020F0502020204030204" pitchFamily="34" charset="0"/>
-              <a:cs typeface="Times New Roman" panose="02020603050405020304" pitchFamily="18" charset="0"/>
-            </a:endParaRPr>
+              <a:rPr lang="ru-RU" dirty="0"/>
+              <a:t>Рассмотреть задачу определения значимости признаков в контексте понижения размерности</a:t>
+            </a:r>
+          </a:p>
+          <a:p>
+            <a:pPr marL="742950" lvl="1" indent="-285750">
+              <a:buFont typeface="Arial" panose="020B0604020202020204" pitchFamily="34" charset="0"/>
+              <a:buChar char="•"/>
+            </a:pPr>
+            <a:r>
+              <a:rPr lang="ru-RU" dirty="0"/>
+              <a:t>Исследовать рассмотренные алгоритмы на устойчивость к шумовым признакам с различными видами распределений</a:t>
+            </a:r>
+            <a:endParaRPr lang="ru-BY" dirty="0"/>
           </a:p>
         </p:txBody>
       </p:sp>
